--- a/images/pipeline/pipeline_20180112 _1.pptx
+++ b/images/pipeline/pipeline_20180112 _1.pptx
@@ -247,7 +247,7 @@
           <a:p>
             <a:fld id="{4B5A2110-1485-425B-BD62-A2C34E22E5EF}" type="datetimeFigureOut">
               <a:rPr lang="de-DE" smtClean="0"/>
-              <a:t>21.01.2018</a:t>
+              <a:t>22.01.2018</a:t>
             </a:fld>
             <a:endParaRPr lang="de-DE"/>
           </a:p>
@@ -417,7 +417,7 @@
           <a:p>
             <a:fld id="{4B5A2110-1485-425B-BD62-A2C34E22E5EF}" type="datetimeFigureOut">
               <a:rPr lang="de-DE" smtClean="0"/>
-              <a:t>21.01.2018</a:t>
+              <a:t>22.01.2018</a:t>
             </a:fld>
             <a:endParaRPr lang="de-DE"/>
           </a:p>
@@ -597,7 +597,7 @@
           <a:p>
             <a:fld id="{4B5A2110-1485-425B-BD62-A2C34E22E5EF}" type="datetimeFigureOut">
               <a:rPr lang="de-DE" smtClean="0"/>
-              <a:t>21.01.2018</a:t>
+              <a:t>22.01.2018</a:t>
             </a:fld>
             <a:endParaRPr lang="de-DE"/>
           </a:p>
@@ -767,7 +767,7 @@
           <a:p>
             <a:fld id="{4B5A2110-1485-425B-BD62-A2C34E22E5EF}" type="datetimeFigureOut">
               <a:rPr lang="de-DE" smtClean="0"/>
-              <a:t>21.01.2018</a:t>
+              <a:t>22.01.2018</a:t>
             </a:fld>
             <a:endParaRPr lang="de-DE"/>
           </a:p>
@@ -1013,7 +1013,7 @@
           <a:p>
             <a:fld id="{4B5A2110-1485-425B-BD62-A2C34E22E5EF}" type="datetimeFigureOut">
               <a:rPr lang="de-DE" smtClean="0"/>
-              <a:t>21.01.2018</a:t>
+              <a:t>22.01.2018</a:t>
             </a:fld>
             <a:endParaRPr lang="de-DE"/>
           </a:p>
@@ -1245,7 +1245,7 @@
           <a:p>
             <a:fld id="{4B5A2110-1485-425B-BD62-A2C34E22E5EF}" type="datetimeFigureOut">
               <a:rPr lang="de-DE" smtClean="0"/>
-              <a:t>21.01.2018</a:t>
+              <a:t>22.01.2018</a:t>
             </a:fld>
             <a:endParaRPr lang="de-DE"/>
           </a:p>
@@ -1612,7 +1612,7 @@
           <a:p>
             <a:fld id="{4B5A2110-1485-425B-BD62-A2C34E22E5EF}" type="datetimeFigureOut">
               <a:rPr lang="de-DE" smtClean="0"/>
-              <a:t>21.01.2018</a:t>
+              <a:t>22.01.2018</a:t>
             </a:fld>
             <a:endParaRPr lang="de-DE"/>
           </a:p>
@@ -1730,7 +1730,7 @@
           <a:p>
             <a:fld id="{4B5A2110-1485-425B-BD62-A2C34E22E5EF}" type="datetimeFigureOut">
               <a:rPr lang="de-DE" smtClean="0"/>
-              <a:t>21.01.2018</a:t>
+              <a:t>22.01.2018</a:t>
             </a:fld>
             <a:endParaRPr lang="de-DE"/>
           </a:p>
@@ -1825,7 +1825,7 @@
           <a:p>
             <a:fld id="{4B5A2110-1485-425B-BD62-A2C34E22E5EF}" type="datetimeFigureOut">
               <a:rPr lang="de-DE" smtClean="0"/>
-              <a:t>21.01.2018</a:t>
+              <a:t>22.01.2018</a:t>
             </a:fld>
             <a:endParaRPr lang="de-DE"/>
           </a:p>
@@ -2102,7 +2102,7 @@
           <a:p>
             <a:fld id="{4B5A2110-1485-425B-BD62-A2C34E22E5EF}" type="datetimeFigureOut">
               <a:rPr lang="de-DE" smtClean="0"/>
-              <a:t>21.01.2018</a:t>
+              <a:t>22.01.2018</a:t>
             </a:fld>
             <a:endParaRPr lang="de-DE"/>
           </a:p>
@@ -2359,7 +2359,7 @@
           <a:p>
             <a:fld id="{4B5A2110-1485-425B-BD62-A2C34E22E5EF}" type="datetimeFigureOut">
               <a:rPr lang="de-DE" smtClean="0"/>
-              <a:t>21.01.2018</a:t>
+              <a:t>22.01.2018</a:t>
             </a:fld>
             <a:endParaRPr lang="de-DE"/>
           </a:p>
@@ -2572,7 +2572,7 @@
           <a:p>
             <a:fld id="{4B5A2110-1485-425B-BD62-A2C34E22E5EF}" type="datetimeFigureOut">
               <a:rPr lang="de-DE" smtClean="0"/>
-              <a:t>21.01.2018</a:t>
+              <a:t>22.01.2018</a:t>
             </a:fld>
             <a:endParaRPr lang="de-DE"/>
           </a:p>
@@ -2977,78 +2977,6 @@
           <a:chExt cx="0" cy="0"/>
         </a:xfrm>
       </p:grpSpPr>
-      <p:sp>
-        <p:nvSpPr>
-          <p:cNvPr id="277" name="Rechteck 276">
-            <a:extLst>
-              <a:ext uri="{FF2B5EF4-FFF2-40B4-BE49-F238E27FC236}">
-                <a16:creationId xmlns:a16="http://schemas.microsoft.com/office/drawing/2014/main" id="{DFD1B0FC-09FF-4BF8-8219-88F693B0F731}"/>
-              </a:ext>
-            </a:extLst>
-          </p:cNvPr>
-          <p:cNvSpPr/>
-          <p:nvPr/>
-        </p:nvSpPr>
-        <p:spPr>
-          <a:xfrm rot="1088664">
-            <a:off x="11486777" y="11777392"/>
-            <a:ext cx="1970724" cy="1080016"/>
-          </a:xfrm>
-          <a:prstGeom prst="rect">
-            <a:avLst/>
-          </a:prstGeom>
-          <a:solidFill>
-            <a:srgbClr val="FFFF00"/>
-          </a:solidFill>
-        </p:spPr>
-        <p:style>
-          <a:lnRef idx="2">
-            <a:schemeClr val="accent1">
-              <a:shade val="50000"/>
-            </a:schemeClr>
-          </a:lnRef>
-          <a:fillRef idx="1">
-            <a:schemeClr val="accent1"/>
-          </a:fillRef>
-          <a:effectRef idx="0">
-            <a:schemeClr val="accent1"/>
-          </a:effectRef>
-          <a:fontRef idx="minor">
-            <a:schemeClr val="lt1"/>
-          </a:fontRef>
-        </p:style>
-        <p:txBody>
-          <a:bodyPr rtlCol="0" anchor="ctr"/>
-          <a:lstStyle/>
-          <a:p>
-            <a:pPr algn="ctr"/>
-            <a:r>
-              <a:rPr lang="en-US" sz="2126" dirty="0">
-                <a:solidFill>
-                  <a:schemeClr val="tx1"/>
-                </a:solidFill>
-              </a:rPr>
-              <a:t>Figure S1</a:t>
-            </a:r>
-          </a:p>
-          <a:p>
-            <a:pPr algn="ctr"/>
-            <a:r>
-              <a:rPr lang="en-US" sz="2126" dirty="0">
-                <a:solidFill>
-                  <a:schemeClr val="tx1"/>
-                </a:solidFill>
-              </a:rPr>
-              <a:t>Subplot A</a:t>
-            </a:r>
-            <a:endParaRPr lang="de-DE" sz="2126" dirty="0">
-              <a:solidFill>
-                <a:schemeClr val="tx1"/>
-              </a:solidFill>
-            </a:endParaRPr>
-          </a:p>
-        </p:txBody>
-      </p:sp>
       <p:grpSp>
         <p:nvGrpSpPr>
           <p:cNvPr id="179" name="Gruppieren 178">
@@ -3785,83 +3713,6 @@
           </p:txBody>
         </p:sp>
       </p:grpSp>
-      <p:sp>
-        <p:nvSpPr>
-          <p:cNvPr id="206" name="Rechteck 205">
-            <a:extLst>
-              <a:ext uri="{FF2B5EF4-FFF2-40B4-BE49-F238E27FC236}">
-                <a16:creationId xmlns:a16="http://schemas.microsoft.com/office/drawing/2014/main" id="{AECE6255-2C99-4E12-8AB0-F112C728947C}"/>
-              </a:ext>
-            </a:extLst>
-          </p:cNvPr>
-          <p:cNvSpPr/>
-          <p:nvPr/>
-        </p:nvSpPr>
-        <p:spPr>
-          <a:xfrm rot="1088664">
-            <a:off x="14483712" y="11503451"/>
-            <a:ext cx="1668522" cy="914400"/>
-          </a:xfrm>
-          <a:prstGeom prst="rect">
-            <a:avLst/>
-          </a:prstGeom>
-          <a:solidFill>
-            <a:srgbClr val="FFFF00"/>
-          </a:solidFill>
-        </p:spPr>
-        <p:style>
-          <a:lnRef idx="2">
-            <a:schemeClr val="accent1">
-              <a:shade val="50000"/>
-            </a:schemeClr>
-          </a:lnRef>
-          <a:fillRef idx="1">
-            <a:schemeClr val="accent1"/>
-          </a:fillRef>
-          <a:effectRef idx="0">
-            <a:schemeClr val="accent1"/>
-          </a:effectRef>
-          <a:fontRef idx="minor">
-            <a:schemeClr val="lt1"/>
-          </a:fontRef>
-        </p:style>
-        <p:txBody>
-          <a:bodyPr rtlCol="0" anchor="ctr"/>
-          <a:lstStyle/>
-          <a:p>
-            <a:pPr algn="ctr"/>
-            <a:r>
-              <a:rPr lang="en-US" dirty="0">
-                <a:solidFill>
-                  <a:schemeClr val="tx1"/>
-                </a:solidFill>
-              </a:rPr>
-              <a:t>Real pictures for </a:t>
-            </a:r>
-            <a:r>
-              <a:rPr lang="en-US" dirty="0" err="1">
-                <a:solidFill>
-                  <a:schemeClr val="tx1"/>
-                </a:solidFill>
-              </a:rPr>
-              <a:t>brightfield</a:t>
-            </a:r>
-            <a:r>
-              <a:rPr lang="en-US" dirty="0">
-                <a:solidFill>
-                  <a:schemeClr val="tx1"/>
-                </a:solidFill>
-              </a:rPr>
-              <a:t> pipeline</a:t>
-            </a:r>
-            <a:endParaRPr lang="de-DE" dirty="0">
-              <a:solidFill>
-                <a:schemeClr val="tx1"/>
-              </a:solidFill>
-            </a:endParaRPr>
-          </a:p>
-        </p:txBody>
-      </p:sp>
       <p:grpSp>
         <p:nvGrpSpPr>
           <p:cNvPr id="182" name="Gruppieren 181">
@@ -4063,78 +3914,6 @@
           </p:style>
         </p:cxnSp>
       </p:grpSp>
-      <p:sp>
-        <p:nvSpPr>
-          <p:cNvPr id="209" name="Rechteck 208">
-            <a:extLst>
-              <a:ext uri="{FF2B5EF4-FFF2-40B4-BE49-F238E27FC236}">
-                <a16:creationId xmlns:a16="http://schemas.microsoft.com/office/drawing/2014/main" id="{A968FCF7-9626-4F70-980B-6F3B5A99EFA1}"/>
-              </a:ext>
-            </a:extLst>
-          </p:cNvPr>
-          <p:cNvSpPr/>
-          <p:nvPr/>
-        </p:nvSpPr>
-        <p:spPr>
-          <a:xfrm rot="1088664">
-            <a:off x="16588129" y="11680018"/>
-            <a:ext cx="1668522" cy="914400"/>
-          </a:xfrm>
-          <a:prstGeom prst="rect">
-            <a:avLst/>
-          </a:prstGeom>
-          <a:solidFill>
-            <a:srgbClr val="FFFF00"/>
-          </a:solidFill>
-        </p:spPr>
-        <p:style>
-          <a:lnRef idx="2">
-            <a:schemeClr val="accent1">
-              <a:shade val="50000"/>
-            </a:schemeClr>
-          </a:lnRef>
-          <a:fillRef idx="1">
-            <a:schemeClr val="accent1"/>
-          </a:fillRef>
-          <a:effectRef idx="0">
-            <a:schemeClr val="accent1"/>
-          </a:effectRef>
-          <a:fontRef idx="minor">
-            <a:schemeClr val="lt1"/>
-          </a:fontRef>
-        </p:style>
-        <p:txBody>
-          <a:bodyPr rtlCol="0" anchor="ctr"/>
-          <a:lstStyle/>
-          <a:p>
-            <a:pPr algn="ctr"/>
-            <a:r>
-              <a:rPr lang="en-US" dirty="0">
-                <a:solidFill>
-                  <a:schemeClr val="tx1"/>
-                </a:solidFill>
-              </a:rPr>
-              <a:t>Figure S1</a:t>
-            </a:r>
-          </a:p>
-          <a:p>
-            <a:pPr algn="ctr"/>
-            <a:r>
-              <a:rPr lang="en-US" dirty="0">
-                <a:solidFill>
-                  <a:schemeClr val="tx1"/>
-                </a:solidFill>
-              </a:rPr>
-              <a:t>Subplot B</a:t>
-            </a:r>
-            <a:endParaRPr lang="de-DE" dirty="0">
-              <a:solidFill>
-                <a:schemeClr val="tx1"/>
-              </a:solidFill>
-            </a:endParaRPr>
-          </a:p>
-        </p:txBody>
-      </p:sp>
       <p:grpSp>
         <p:nvGrpSpPr>
           <p:cNvPr id="465" name="Gruppieren 464">
